--- a/week2/第2周班会.pptx
+++ b/week2/第2周班会.pptx
@@ -3147,7 +3147,7 @@
                 <a:cs typeface="微软雅黑 Light" panose="020B0502040204020203" charset="-122"/>
                 <a:sym typeface="Wingdings" panose="05000000000000000000" charset="0"/>
               </a:rPr>
-              <a:t> 自我介绍  姓名  来自哪里  目标是什么</a:t>
+              <a:t> 自我介绍  姓名  来自哪里   学习心得</a:t>
             </a:r>
           </a:p>
           <a:p>
@@ -3165,6 +3165,15 @@
                 <a:sym typeface="Wingdings" panose="05000000000000000000" charset="0"/>
               </a:rPr>
               <a:t>                   </a:t>
+            </a:r>
+            <a:r>
+              <a:rPr lang="en-US" altLang="zh-CN" sz="2000" dirty="0">
+                <a:latin typeface="微软雅黑 Light" panose="020B0502040204020203" charset="-122"/>
+                <a:ea typeface="微软雅黑 Light" panose="020B0502040204020203" charset="-122"/>
+                <a:cs typeface="微软雅黑 Light" panose="020B0502040204020203" charset="-122"/>
+                <a:sym typeface="Wingdings" panose="05000000000000000000" charset="0"/>
+              </a:rPr>
+              <a:t>·</a:t>
             </a:r>
             <a:endParaRPr lang="zh-CN" altLang="en-US" sz="2000" dirty="0">
               <a:latin typeface="微软雅黑 Light" panose="020B0502040204020203" charset="-122"/>
